--- a/Task 1/ANZ task 1.pptx
+++ b/Task 1/ANZ task 1.pptx
@@ -6097,8 +6097,8 @@
         </p:blipFill>
         <p:spPr>
           <a:xfrm>
-            <a:off x="4964400" y="92125"/>
-            <a:ext cx="3594699" cy="2623650"/>
+            <a:off x="171875" y="2833825"/>
+            <a:ext cx="3738642" cy="2309675"/>
           </a:xfrm>
           <a:prstGeom prst="rect">
             <a:avLst/>
@@ -6125,8 +6125,8 @@
         </p:blipFill>
         <p:spPr>
           <a:xfrm>
-            <a:off x="171875" y="2833825"/>
-            <a:ext cx="3738642" cy="2309675"/>
+            <a:off x="4873975" y="2849363"/>
+            <a:ext cx="3594700" cy="2278589"/>
           </a:xfrm>
           <a:prstGeom prst="rect">
             <a:avLst/>
@@ -6153,8 +6153,8 @@
         </p:blipFill>
         <p:spPr>
           <a:xfrm>
-            <a:off x="4873975" y="2849363"/>
-            <a:ext cx="3594700" cy="2278589"/>
+            <a:off x="85450" y="92125"/>
+            <a:ext cx="4046807" cy="2578850"/>
           </a:xfrm>
           <a:prstGeom prst="rect">
             <a:avLst/>
@@ -6181,8 +6181,8 @@
         </p:blipFill>
         <p:spPr>
           <a:xfrm>
-            <a:off x="243850" y="72675"/>
-            <a:ext cx="3594700" cy="2598305"/>
+            <a:off x="4437713" y="304800"/>
+            <a:ext cx="4467225" cy="2266950"/>
           </a:xfrm>
           <a:prstGeom prst="rect">
             <a:avLst/>
@@ -6193,6 +6193,48 @@
           </a:ln>
         </p:spPr>
       </p:pic>
+      <p:sp>
+        <p:nvSpPr>
+          <p:cNvPr id="80" name="Google Shape;80;p15"/>
+          <p:cNvSpPr txBox="1"/>
+          <p:nvPr/>
+        </p:nvSpPr>
+        <p:spPr>
+          <a:xfrm>
+            <a:off x="5093275" y="150675"/>
+            <a:ext cx="3425700" cy="204300"/>
+          </a:xfrm>
+          <a:prstGeom prst="rect">
+            <a:avLst/>
+          </a:prstGeom>
+          <a:noFill/>
+          <a:ln>
+            <a:noFill/>
+          </a:ln>
+        </p:spPr>
+        <p:txBody>
+          <a:bodyPr anchorCtr="0" anchor="ctr" bIns="91425" lIns="91425" spcFirstLastPara="1" rIns="91425" wrap="square" tIns="91425">
+            <a:noAutofit/>
+          </a:bodyPr>
+          <a:lstStyle/>
+          <a:p>
+            <a:pPr indent="0" lvl="0" marL="0" rtl="0" algn="l">
+              <a:spcBef>
+                <a:spcPts val="0"/>
+              </a:spcBef>
+              <a:spcAft>
+                <a:spcPts val="0"/>
+              </a:spcAft>
+              <a:buNone/>
+            </a:pPr>
+            <a:r>
+              <a:rPr lang="en"/>
+              <a:t>Merchant longitude and latitude plotting</a:t>
+            </a:r>
+            <a:endParaRPr/>
+          </a:p>
+        </p:txBody>
+      </p:sp>
     </p:spTree>
   </p:cSld>
   <p:clrMapOvr>
